--- a/apache/Apachepresentation.pptx
+++ b/apache/Apachepresentation.pptx
@@ -914,8 +914,8 @@
         </p:nvSpPr>
         <p:spPr>
           <a:xfrm>
-            <a:off x="742950" y="2235200"/>
-            <a:ext cx="6324600" cy="3970318"/>
+            <a:off x="971550" y="1568450"/>
+            <a:ext cx="6324600" cy="3724096"/>
           </a:xfrm>
           <a:prstGeom prst="rect">
             <a:avLst/>
@@ -941,19 +941,19 @@
           <a:p>
             <a:pPr algn="ctr"/>
             <a:r>
-              <a:rPr lang="en-US" sz="4800" dirty="0"/>
+              <a:rPr lang="en-US" sz="4000" i="1" dirty="0"/>
               <a:t>Isabel </a:t>
             </a:r>
             <a:r>
-              <a:rPr lang="en-US" sz="4800" dirty="0" err="1"/>
+              <a:rPr lang="en-US" sz="4000" i="1" dirty="0" err="1"/>
               <a:t>Odida</a:t>
             </a:r>
-            <a:endParaRPr lang="en-US" sz="4800" dirty="0"/>
+            <a:endParaRPr lang="en-US" sz="4000" i="1" dirty="0"/>
           </a:p>
           <a:p>
             <a:pPr algn="ctr"/>
             <a:r>
-              <a:rPr lang="en-US" sz="4800" dirty="0"/>
+              <a:rPr lang="en-US" sz="4000" i="1" dirty="0"/>
               <a:t>2018</a:t>
             </a:r>
           </a:p>

--- a/apache/Apachepresentation.pptx
+++ b/apache/Apachepresentation.pptx
@@ -930,7 +930,7 @@
           <a:p>
             <a:pPr algn="ctr"/>
             <a:r>
-              <a:rPr lang="en-US" sz="6000" dirty="0"/>
+              <a:rPr lang="en-US" sz="6000" b="1" dirty="0"/>
               <a:t>APACHE </a:t>
             </a:r>
           </a:p>
